--- a/overdose_prevention_presentation.pptx
+++ b/overdose_prevention_presentation.pptx
@@ -8657,13 +8657,8 @@
           <a:p>
             <a:r>
               <a:rPr lang="en-US" dirty="0"/>
-              <a:t>If the right actions are taken, this information should lead to a flattening of the curve in the current </a:t>
-            </a:r>
-            <a:r>
-              <a:rPr lang="en-US"/>
-              <a:t>opioid epidemic</a:t>
-            </a:r>
-            <a:endParaRPr lang="en-US" dirty="0"/>
+              <a:t>If the right actions are taken, this information should lead to a flattening of the curve in the current opioid epidemic</a:t>
+            </a:r>
           </a:p>
         </p:txBody>
       </p:sp>
